--- a/java-lc3.pptx
+++ b/java-lc3.pptx
@@ -276,7 +276,7 @@
           <a:p>
             <a:fld id="{7F1638D8-92C4-433B-B2C4-FDB2E38D560E}" type="datetimeFigureOut">
               <a:rPr lang="ru-RU" smtClean="0"/>
-              <a:t>12.02.2018</a:t>
+              <a:t>20.02.2018</a:t>
             </a:fld>
             <a:endParaRPr lang="ru-RU"/>
           </a:p>
@@ -3791,8 +3791,8 @@
         </p:nvSpPr>
         <p:spPr>
           <a:xfrm>
-            <a:off x="0" y="3861048"/>
-            <a:ext cx="9144000" cy="1752600"/>
+            <a:off x="0" y="3501008"/>
+            <a:ext cx="9144000" cy="2952328"/>
           </a:xfrm>
         </p:spPr>
         <p:txBody>
@@ -3824,11 +3824,31 @@
           <a:p>
             <a:r>
               <a:rPr lang="en-US" sz="2800" dirty="0" smtClean="0"/>
-              <a:t>http</a:t>
-            </a:r>
-            <a:r>
-              <a:rPr lang="en-US" sz="2800" smtClean="0"/>
-              <a:t>://github.com/a-vodka/java/</a:t>
+              <a:t>http://github.com/a-vodka/java</a:t>
+            </a:r>
+            <a:r>
+              <a:rPr lang="en-US" sz="2800" dirty="0" smtClean="0"/>
+              <a:t>/</a:t>
+            </a:r>
+          </a:p>
+          <a:p>
+            <a:endParaRPr lang="en-US" sz="2800" dirty="0" smtClean="0"/>
+          </a:p>
+          <a:p>
+            <a:r>
+              <a:rPr lang="ru-RU" sz="2800" dirty="0" smtClean="0"/>
+              <a:t>Хороший учебник по </a:t>
+            </a:r>
+            <a:r>
+              <a:rPr lang="en-US" sz="2800" dirty="0" smtClean="0"/>
+              <a:t>Java</a:t>
+            </a:r>
+            <a:endParaRPr lang="en-US" sz="2800" dirty="0" smtClean="0"/>
+          </a:p>
+          <a:p>
+            <a:r>
+              <a:rPr lang="en-US" sz="2800" dirty="0"/>
+              <a:t>https://math.sgu.ru/sites/chairs/prinf/materials/java/index.htm</a:t>
             </a:r>
             <a:endParaRPr lang="ru-RU" sz="2800" dirty="0"/>
           </a:p>
@@ -4817,50 +4837,67 @@
             <p:ph type="body" idx="1"/>
           </p:nvPr>
         </p:nvSpPr>
-        <p:spPr/>
+        <p:spPr>
+          <a:xfrm>
+            <a:off x="457200" y="1196752"/>
+            <a:ext cx="8229600" cy="5328592"/>
+          </a:xfrm>
+        </p:spPr>
         <p:txBody>
-          <a:bodyPr/>
+          <a:bodyPr>
+            <a:normAutofit/>
+          </a:bodyPr>
           <a:lstStyle/>
           <a:p>
             <a:r>
-              <a:rPr lang="ru-RU" altLang="ru-RU" sz="2000"/>
+              <a:rPr lang="ru-RU" altLang="ru-RU" sz="2400" dirty="0"/>
               <a:t>Членами класса являются унаследованные и определенные в классе члены</a:t>
             </a:r>
           </a:p>
           <a:p>
             <a:r>
-              <a:rPr lang="ru-RU" altLang="ru-RU" sz="2000"/>
-              <a:t>Вновь объявленные поля могут скрывать поля суперклассов и суперинтерфейсов</a:t>
-            </a:r>
-          </a:p>
-          <a:p>
-            <a:r>
-              <a:rPr lang="ru-RU" altLang="ru-RU" sz="2000"/>
-              <a:t>Вновь объявленные методы могут скрывать, реализовывать или перегружать методы, объявленные в суперклассе или суперинтерфейсе</a:t>
-            </a:r>
-          </a:p>
-          <a:p>
-            <a:r>
-              <a:rPr lang="ru-RU" altLang="ru-RU" sz="2000"/>
+              <a:rPr lang="ru-RU" altLang="ru-RU" sz="2400" dirty="0"/>
+              <a:t>Вновь объявленные поля могут скрывать поля суперклассов и </a:t>
+            </a:r>
+            <a:r>
+              <a:rPr lang="ru-RU" altLang="ru-RU" sz="2400" dirty="0" err="1"/>
+              <a:t>суперинтерфейсов</a:t>
+            </a:r>
+            <a:endParaRPr lang="ru-RU" altLang="ru-RU" sz="2400" dirty="0"/>
+          </a:p>
+          <a:p>
+            <a:r>
+              <a:rPr lang="ru-RU" altLang="ru-RU" sz="2400" dirty="0"/>
+              <a:t>Вновь объявленные методы могут скрывать, реализовывать или перегружать методы, объявленные в суперклассе или </a:t>
+            </a:r>
+            <a:r>
+              <a:rPr lang="ru-RU" altLang="ru-RU" sz="2400" dirty="0" err="1"/>
+              <a:t>суперинтерфейсе</a:t>
+            </a:r>
+            <a:endParaRPr lang="ru-RU" altLang="ru-RU" sz="2400" dirty="0"/>
+          </a:p>
+          <a:p>
+            <a:r>
+              <a:rPr lang="ru-RU" altLang="ru-RU" sz="2400" dirty="0"/>
               <a:t>Вложенные классы бывают статическими и внутренними (</a:t>
             </a:r>
             <a:r>
-              <a:rPr lang="en-US" altLang="ru-RU" sz="2000"/>
+              <a:rPr lang="en-US" altLang="ru-RU" sz="2400" dirty="0"/>
               <a:t>inner</a:t>
             </a:r>
             <a:r>
-              <a:rPr lang="ru-RU" altLang="ru-RU" sz="2000"/>
+              <a:rPr lang="ru-RU" altLang="ru-RU" sz="2400" dirty="0"/>
               <a:t>), в зависимости от контекста в котором они объявлены (если в точке объявления имеет смысл ссылка </a:t>
             </a:r>
             <a:r>
-              <a:rPr lang="en-US" altLang="ru-RU" sz="2000"/>
+              <a:rPr lang="en-US" altLang="ru-RU" sz="2400" dirty="0"/>
               <a:t>this </a:t>
             </a:r>
             <a:r>
-              <a:rPr lang="ru-RU" altLang="ru-RU" sz="2000"/>
+              <a:rPr lang="ru-RU" altLang="ru-RU" sz="2400" dirty="0"/>
               <a:t>– то вложенный класс будет внутренним)</a:t>
             </a:r>
-            <a:endParaRPr lang="en-US" altLang="ru-RU" sz="2000"/>
+            <a:endParaRPr lang="en-US" altLang="ru-RU" sz="2400" dirty="0"/>
           </a:p>
         </p:txBody>
       </p:sp>
@@ -4934,38 +4971,45 @@
             <p:ph type="body" idx="1"/>
           </p:nvPr>
         </p:nvSpPr>
-        <p:spPr/>
+        <p:spPr>
+          <a:xfrm>
+            <a:off x="457200" y="1268760"/>
+            <a:ext cx="8229600" cy="4857403"/>
+          </a:xfrm>
+        </p:spPr>
         <p:txBody>
-          <a:bodyPr/>
+          <a:bodyPr>
+            <a:normAutofit/>
+          </a:bodyPr>
           <a:lstStyle/>
           <a:p>
             <a:r>
-              <a:rPr lang="ru-RU" altLang="ru-RU" sz="2000"/>
+              <a:rPr lang="ru-RU" altLang="ru-RU" sz="2400" dirty="0"/>
               <a:t>Методы описывают участки кода, которые могут быть вызваны с помощью выражения вызова метода</a:t>
             </a:r>
           </a:p>
           <a:p>
             <a:r>
-              <a:rPr lang="ru-RU" altLang="ru-RU" sz="2000"/>
+              <a:rPr lang="ru-RU" altLang="ru-RU" sz="2400" dirty="0"/>
               <a:t>Метод класса исполняется в контексте переменных класса (</a:t>
             </a:r>
             <a:r>
-              <a:rPr lang="en-US" altLang="ru-RU" sz="2000"/>
+              <a:rPr lang="en-US" altLang="ru-RU" sz="2400" dirty="0"/>
               <a:t>static context</a:t>
             </a:r>
             <a:r>
-              <a:rPr lang="ru-RU" altLang="ru-RU" sz="2000"/>
+              <a:rPr lang="ru-RU" altLang="ru-RU" sz="2400" dirty="0"/>
               <a:t>)</a:t>
             </a:r>
-            <a:endParaRPr lang="en-US" altLang="ru-RU" sz="2000"/>
-          </a:p>
-          <a:p>
-            <a:r>
-              <a:rPr lang="ru-RU" altLang="ru-RU" sz="2000"/>
+            <a:endParaRPr lang="en-US" altLang="ru-RU" sz="2400" dirty="0"/>
+          </a:p>
+          <a:p>
+            <a:r>
+              <a:rPr lang="ru-RU" altLang="ru-RU" sz="2400" dirty="0"/>
               <a:t>Метод экземпляра исполняется в контексте конкретного объекта, доступного по </a:t>
             </a:r>
             <a:r>
-              <a:rPr lang="en-US" altLang="ru-RU" sz="2000" b="1">
+              <a:rPr lang="en-US" altLang="ru-RU" sz="2400" b="1" dirty="0">
                 <a:latin typeface="Courier New" pitchFamily="49" charset="0"/>
               </a:rPr>
               <a:t>this</a:t>
@@ -4973,34 +5017,34 @@
           </a:p>
           <a:p>
             <a:r>
-              <a:rPr lang="ru-RU" altLang="ru-RU" sz="2000"/>
+              <a:rPr lang="ru-RU" altLang="ru-RU" sz="2400" dirty="0"/>
               <a:t>Методы не имеющие реализации должны быть объявлены </a:t>
             </a:r>
             <a:r>
-              <a:rPr lang="en-US" altLang="ru-RU" sz="2000"/>
+              <a:rPr lang="en-US" altLang="ru-RU" sz="2400" dirty="0"/>
               <a:t>abstract</a:t>
             </a:r>
           </a:p>
           <a:p>
             <a:r>
-              <a:rPr lang="ru-RU" altLang="ru-RU" sz="2000"/>
+              <a:rPr lang="ru-RU" altLang="ru-RU" sz="2400" dirty="0"/>
               <a:t>Допускается перегрузка методов по списку и типам аргументов</a:t>
             </a:r>
           </a:p>
           <a:p>
             <a:r>
-              <a:rPr lang="ru-RU" altLang="ru-RU" sz="2000"/>
+              <a:rPr lang="ru-RU" altLang="ru-RU" sz="2400" dirty="0"/>
               <a:t>Метод может иметь платформенно-зависимую реализацию (</a:t>
             </a:r>
             <a:r>
-              <a:rPr lang="en-US" altLang="ru-RU" sz="2000"/>
+              <a:rPr lang="en-US" altLang="ru-RU" sz="2400" dirty="0"/>
               <a:t>native method</a:t>
             </a:r>
             <a:r>
-              <a:rPr lang="ru-RU" altLang="ru-RU" sz="2000"/>
+              <a:rPr lang="ru-RU" altLang="ru-RU" sz="2400" dirty="0"/>
               <a:t>)</a:t>
             </a:r>
-            <a:endParaRPr lang="en-US" altLang="ru-RU" sz="2000"/>
+            <a:endParaRPr lang="en-US" altLang="ru-RU" sz="2400" dirty="0"/>
           </a:p>
         </p:txBody>
       </p:sp>
@@ -5074,7 +5118,7 @@
         <p:nvGraphicFramePr>
           <p:cNvPr id="532486" name="Object 6"/>
           <p:cNvGraphicFramePr>
-            <a:graphicFrameLocks noChangeAspect="1"/>
+            <a:graphicFrameLocks noGrp="1" noChangeAspect="1"/>
           </p:cNvGraphicFramePr>
           <p:nvPr>
             <p:ph idx="1"/>
@@ -5093,7 +5137,7 @@
           <a:graphicData uri="http://schemas.openxmlformats.org/presentationml/2006/ole">
             <mc:AlternateContent xmlns:mc="http://schemas.openxmlformats.org/markup-compatibility/2006">
               <mc:Choice xmlns:v="urn:schemas-microsoft-com:vml" Requires="v">
-                <p:oleObj spid="_x0000_s1027" name="Visio" r:id="rId3" imgW="5754014" imgH="4537862" progId="Visio.Drawing.6">
+                <p:oleObj spid="_x0000_s1030" name="Visio" r:id="rId3" imgW="5754014" imgH="4537862" progId="Visio.Drawing.6">
                   <p:embed/>
                 </p:oleObj>
               </mc:Choice>
@@ -5207,9 +5251,16 @@
             <p:ph type="body" idx="1"/>
           </p:nvPr>
         </p:nvSpPr>
-        <p:spPr/>
+        <p:spPr>
+          <a:xfrm>
+            <a:off x="467544" y="1124744"/>
+            <a:ext cx="8229600" cy="5184576"/>
+          </a:xfrm>
+        </p:spPr>
         <p:txBody>
-          <a:bodyPr/>
+          <a:bodyPr>
+            <a:noAutofit/>
+          </a:bodyPr>
           <a:lstStyle/>
           <a:p>
             <a:pPr>
@@ -5218,30 +5269,30 @@
               </a:lnSpc>
             </a:pPr>
             <a:r>
-              <a:rPr lang="ru-RU" altLang="ru-RU" sz="2000"/>
+              <a:rPr lang="ru-RU" altLang="ru-RU" sz="2400" dirty="0"/>
               <a:t>Инициализаторы экземпляра – блоки кода </a:t>
             </a:r>
             <a:r>
-              <a:rPr lang="en-US" altLang="ru-RU" sz="2000"/>
+              <a:rPr lang="en-US" altLang="ru-RU" sz="2400" dirty="0"/>
               <a:t>{…} </a:t>
             </a:r>
             <a:r>
-              <a:rPr lang="ru-RU" altLang="ru-RU" sz="2000"/>
+              <a:rPr lang="ru-RU" altLang="ru-RU" sz="2400" dirty="0"/>
               <a:t>выполняемые </a:t>
             </a:r>
             <a:r>
-              <a:rPr lang="en-US" altLang="ru-RU" sz="2000"/>
+              <a:rPr lang="en-US" altLang="ru-RU" sz="2400" dirty="0"/>
               <a:t> </a:t>
             </a:r>
             <a:r>
-              <a:rPr lang="ru-RU" altLang="ru-RU" sz="2000"/>
+              <a:rPr lang="ru-RU" altLang="ru-RU" sz="2400" dirty="0"/>
               <a:t>при инициализации объекта. Выполняются перед вызовом конструктора</a:t>
             </a:r>
             <a:r>
-              <a:rPr lang="en-US" altLang="ru-RU" sz="2000"/>
+              <a:rPr lang="en-US" altLang="ru-RU" sz="2400" dirty="0"/>
               <a:t>. </a:t>
             </a:r>
-            <a:endParaRPr lang="ru-RU" altLang="ru-RU" sz="2000"/>
+            <a:endParaRPr lang="ru-RU" altLang="ru-RU" sz="2400" dirty="0"/>
           </a:p>
           <a:p>
             <a:pPr>
@@ -5250,15 +5301,15 @@
               </a:lnSpc>
             </a:pPr>
             <a:r>
-              <a:rPr lang="ru-RU" altLang="ru-RU" sz="2000"/>
+              <a:rPr lang="ru-RU" altLang="ru-RU" sz="2400" dirty="0"/>
               <a:t>Статические инициализаторы – статические блоки кода </a:t>
             </a:r>
             <a:r>
-              <a:rPr lang="en-US" altLang="ru-RU" sz="2000"/>
+              <a:rPr lang="en-US" altLang="ru-RU" sz="2400" dirty="0"/>
               <a:t>static {…}</a:t>
             </a:r>
             <a:r>
-              <a:rPr lang="ru-RU" altLang="ru-RU" sz="2000"/>
+              <a:rPr lang="ru-RU" altLang="ru-RU" sz="2400" dirty="0"/>
               <a:t> выполняемые при первом использовании класса (после его загрузки но перед созданием первого объекта или доступом к полю)</a:t>
             </a:r>
           </a:p>
@@ -5269,10 +5320,10 @@
               </a:lnSpc>
             </a:pPr>
             <a:r>
-              <a:rPr lang="ru-RU" altLang="ru-RU" sz="2000"/>
+              <a:rPr lang="ru-RU" altLang="ru-RU" sz="2400" dirty="0"/>
               <a:t>Конструкторы в отличие от методов не могут быть вызваны непосредственно с помощью выражения вызова метода. Конструкторы вызываются при создании экземпляров объектов и могут быть перегружены</a:t>
             </a:r>
-            <a:endParaRPr lang="en-US" altLang="ru-RU" sz="2000"/>
+            <a:endParaRPr lang="en-US" altLang="ru-RU" sz="2400" dirty="0"/>
           </a:p>
         </p:txBody>
       </p:sp>
@@ -5701,61 +5752,65 @@
           <a:lstStyle/>
           <a:p>
             <a:r>
-              <a:rPr lang="en-US" altLang="ru-RU" sz="2000" b="1"/>
+              <a:rPr lang="en-US" altLang="ru-RU" sz="2000" b="1" dirty="0"/>
               <a:t>public</a:t>
             </a:r>
             <a:r>
-              <a:rPr lang="en-US" altLang="ru-RU" sz="2000"/>
+              <a:rPr lang="en-US" altLang="ru-RU" sz="2000" dirty="0"/>
               <a:t> – </a:t>
             </a:r>
             <a:r>
-              <a:rPr lang="ru-RU" altLang="ru-RU" sz="2000"/>
+              <a:rPr lang="ru-RU" altLang="ru-RU" sz="2000" dirty="0"/>
               <a:t>класс доступен извне пакета. </a:t>
             </a:r>
           </a:p>
           <a:p>
             <a:r>
-              <a:rPr lang="en-US" altLang="ru-RU" sz="2000" b="1"/>
+              <a:rPr lang="en-US" altLang="ru-RU" sz="2000" b="1" dirty="0"/>
               <a:t>abstract</a:t>
             </a:r>
             <a:r>
-              <a:rPr lang="en-US" altLang="ru-RU" sz="2000"/>
+              <a:rPr lang="en-US" altLang="ru-RU" sz="2000" dirty="0"/>
               <a:t> – </a:t>
             </a:r>
             <a:r>
-              <a:rPr lang="ru-RU" altLang="ru-RU" sz="2000"/>
+              <a:rPr lang="ru-RU" altLang="ru-RU" sz="2000" dirty="0"/>
               <a:t>класс является абстрактным (в нем есть абстрактные методы)</a:t>
             </a:r>
           </a:p>
           <a:p>
             <a:r>
-              <a:rPr lang="en-US" altLang="ru-RU" sz="2000" b="1"/>
+              <a:rPr lang="en-US" altLang="ru-RU" sz="2000" b="1" dirty="0"/>
               <a:t>final</a:t>
             </a:r>
             <a:r>
-              <a:rPr lang="en-US" altLang="ru-RU" sz="2000"/>
+              <a:rPr lang="en-US" altLang="ru-RU" sz="2000" dirty="0"/>
               <a:t> – </a:t>
             </a:r>
             <a:r>
-              <a:rPr lang="ru-RU" altLang="ru-RU" sz="2000"/>
+              <a:rPr lang="ru-RU" altLang="ru-RU" sz="2000" dirty="0"/>
               <a:t>класс является конечным в иерархии наследования. От него нельзя унаследовать другой класс</a:t>
             </a:r>
           </a:p>
           <a:p>
             <a:r>
-              <a:rPr lang="en-US" altLang="ru-RU" sz="2000" b="1"/>
-              <a:t>strictfp </a:t>
-            </a:r>
-            <a:r>
-              <a:rPr lang="ru-RU" altLang="ru-RU" sz="2000"/>
+              <a:rPr lang="en-US" altLang="ru-RU" sz="2000" b="1" dirty="0" err="1"/>
+              <a:t>strictfp</a:t>
+            </a:r>
+            <a:r>
+              <a:rPr lang="en-US" altLang="ru-RU" sz="2000" b="1" dirty="0"/>
+              <a:t> </a:t>
+            </a:r>
+            <a:r>
+              <a:rPr lang="ru-RU" altLang="ru-RU" sz="2000" dirty="0"/>
               <a:t>–</a:t>
             </a:r>
             <a:r>
-              <a:rPr lang="ru-RU" altLang="ru-RU" sz="2000" b="1"/>
+              <a:rPr lang="ru-RU" altLang="ru-RU" sz="2000" b="1" dirty="0"/>
               <a:t> </a:t>
             </a:r>
             <a:r>
-              <a:rPr lang="ru-RU" altLang="ru-RU" sz="2000"/>
+              <a:rPr lang="ru-RU" altLang="ru-RU" sz="2000" dirty="0"/>
               <a:t>для всех методов класса действуют правила строгой проверки арифметических выражений во время вычислений</a:t>
             </a:r>
           </a:p>
@@ -5765,56 +5820,56 @@
               <a:buNone/>
             </a:pPr>
             <a:r>
-              <a:rPr lang="ru-RU" altLang="ru-RU"/>
+              <a:rPr lang="ru-RU" altLang="ru-RU" dirty="0"/>
               <a:t>Для вложенных(внутренних) классов дополнительно действуют следующие модификаторы:</a:t>
             </a:r>
           </a:p>
           <a:p>
             <a:r>
-              <a:rPr lang="en-US" altLang="ru-RU" sz="2000" b="1"/>
+              <a:rPr lang="en-US" altLang="ru-RU" sz="2000" b="1" dirty="0"/>
               <a:t>static</a:t>
             </a:r>
             <a:r>
-              <a:rPr lang="ru-RU" altLang="ru-RU" sz="2000" b="1"/>
+              <a:rPr lang="ru-RU" altLang="ru-RU" sz="2000" b="1" dirty="0"/>
               <a:t> – </a:t>
             </a:r>
             <a:r>
-              <a:rPr lang="ru-RU" altLang="ru-RU" sz="2000"/>
+              <a:rPr lang="ru-RU" altLang="ru-RU" sz="2000" dirty="0"/>
               <a:t>класс является статическим (вложенный класс)</a:t>
             </a:r>
           </a:p>
           <a:p>
             <a:r>
-              <a:rPr lang="en-US" altLang="ru-RU" sz="2000" b="1"/>
+              <a:rPr lang="en-US" altLang="ru-RU" sz="2000" b="1" dirty="0"/>
               <a:t>protected </a:t>
             </a:r>
             <a:r>
-              <a:rPr lang="ru-RU" altLang="ru-RU" sz="2000"/>
+              <a:rPr lang="ru-RU" altLang="ru-RU" sz="2000" dirty="0"/>
               <a:t>–</a:t>
             </a:r>
             <a:r>
-              <a:rPr lang="ru-RU" altLang="ru-RU" sz="2000" b="1"/>
+              <a:rPr lang="ru-RU" altLang="ru-RU" sz="2000" b="1" dirty="0"/>
               <a:t> </a:t>
             </a:r>
             <a:r>
-              <a:rPr lang="ru-RU" altLang="ru-RU" sz="2000"/>
+              <a:rPr lang="ru-RU" altLang="ru-RU" sz="2000" dirty="0"/>
               <a:t>к классу имеют доступ только классы наследники объемлющего класса или классы в том же пакете</a:t>
             </a:r>
           </a:p>
           <a:p>
             <a:r>
-              <a:rPr lang="en-US" altLang="ru-RU" sz="2000" b="1"/>
+              <a:rPr lang="en-US" altLang="ru-RU" sz="2000" b="1" dirty="0"/>
               <a:t>private</a:t>
             </a:r>
             <a:r>
-              <a:rPr lang="en-US" altLang="ru-RU" sz="2000"/>
+              <a:rPr lang="en-US" altLang="ru-RU" sz="2000" dirty="0"/>
               <a:t> – </a:t>
             </a:r>
             <a:r>
-              <a:rPr lang="ru-RU" altLang="ru-RU" sz="2000"/>
+              <a:rPr lang="ru-RU" altLang="ru-RU" sz="2000" dirty="0"/>
               <a:t>к классу имеет доступ только объемлющий класс</a:t>
             </a:r>
-            <a:endParaRPr lang="en-US" altLang="ru-RU" sz="2000" b="1"/>
+            <a:endParaRPr lang="en-US" altLang="ru-RU" sz="2000" b="1" dirty="0"/>
           </a:p>
         </p:txBody>
       </p:sp>
@@ -15534,32 +15589,40 @@
               <a:buNone/>
             </a:pPr>
             <a:r>
-              <a:rPr lang="ru-RU" altLang="ru-RU" sz="2000"/>
+              <a:rPr lang="ru-RU" altLang="ru-RU" sz="2000" dirty="0"/>
               <a:t>Переменные, объявленные </a:t>
             </a:r>
             <a:r>
-              <a:rPr lang="en-US" altLang="ru-RU" sz="2000" b="1">
+              <a:rPr lang="en-US" altLang="ru-RU" sz="2000" b="1" dirty="0">
                 <a:latin typeface="Courier New" pitchFamily="49" charset="0"/>
               </a:rPr>
               <a:t>transient</a:t>
             </a:r>
             <a:r>
-              <a:rPr lang="en-US" altLang="ru-RU" sz="2000" b="1"/>
+              <a:rPr lang="en-US" altLang="ru-RU" sz="2000" b="1" dirty="0"/>
               <a:t> </a:t>
             </a:r>
             <a:r>
-              <a:rPr lang="ru-RU" altLang="ru-RU" sz="2000"/>
+              <a:rPr lang="ru-RU" altLang="ru-RU" sz="2000" dirty="0"/>
               <a:t>не являются частью </a:t>
             </a:r>
             <a:r>
-              <a:rPr lang="en-US" altLang="ru-RU" sz="2000"/>
+              <a:rPr lang="en-US" altLang="ru-RU" sz="2000" dirty="0"/>
               <a:t>persistent </a:t>
             </a:r>
             <a:r>
-              <a:rPr lang="ru-RU" altLang="ru-RU" sz="2000"/>
-              <a:t>состояния объекта и не сохраняются во время сериализации.</a:t>
-            </a:r>
-            <a:endParaRPr lang="en-US" altLang="ru-RU" sz="2000">
+              <a:rPr lang="ru-RU" altLang="ru-RU" sz="2000" dirty="0"/>
+              <a:t>состояния объекта и не сохраняются во время </a:t>
+            </a:r>
+            <a:r>
+              <a:rPr lang="ru-RU" altLang="ru-RU" sz="2000" dirty="0" err="1"/>
+              <a:t>сериализации</a:t>
+            </a:r>
+            <a:r>
+              <a:rPr lang="ru-RU" altLang="ru-RU" sz="2000" dirty="0"/>
+              <a:t>.</a:t>
+            </a:r>
+            <a:endParaRPr lang="en-US" altLang="ru-RU" sz="2000" dirty="0">
               <a:solidFill>
                 <a:schemeClr val="tx2"/>
               </a:solidFill>
@@ -16328,16 +16391,21 @@
             <p:ph type="title"/>
           </p:nvPr>
         </p:nvSpPr>
-        <p:spPr/>
+        <p:spPr>
+          <a:xfrm>
+            <a:off x="457200" y="274638"/>
+            <a:ext cx="8229600" cy="850106"/>
+          </a:xfrm>
+        </p:spPr>
         <p:txBody>
           <a:bodyPr/>
           <a:lstStyle/>
           <a:p>
             <a:r>
-              <a:rPr lang="ru-RU" altLang="ru-RU"/>
+              <a:rPr lang="ru-RU" altLang="ru-RU" dirty="0"/>
               <a:t>Разрешение перекрытия полей</a:t>
             </a:r>
-            <a:endParaRPr lang="en-US" altLang="ru-RU"/>
+            <a:endParaRPr lang="en-US" altLang="ru-RU" dirty="0"/>
           </a:p>
         </p:txBody>
       </p:sp>
@@ -16369,15 +16437,33 @@
               <a:buNone/>
             </a:pPr>
             <a:r>
-              <a:rPr lang="en-US" altLang="ru-RU" sz="2000" b="1">
-                <a:solidFill>
-                  <a:schemeClr val="tx2"/>
-                </a:solidFill>
-                <a:latin typeface="Courier New" pitchFamily="49" charset="0"/>
-              </a:rPr>
-              <a:t>class Point { static int x = 2; } </a:t>
-            </a:r>
-            <a:endParaRPr lang="ru-RU" altLang="ru-RU" sz="2000" b="1">
+              <a:rPr lang="en-US" altLang="ru-RU" sz="2000" b="1" dirty="0">
+                <a:solidFill>
+                  <a:schemeClr val="tx2"/>
+                </a:solidFill>
+                <a:latin typeface="Courier New" pitchFamily="49" charset="0"/>
+              </a:rPr>
+              <a:t>class Point { static </a:t>
+            </a:r>
+            <a:r>
+              <a:rPr lang="en-US" altLang="ru-RU" sz="2000" b="1" dirty="0" err="1">
+                <a:solidFill>
+                  <a:schemeClr val="tx2"/>
+                </a:solidFill>
+                <a:latin typeface="Courier New" pitchFamily="49" charset="0"/>
+              </a:rPr>
+              <a:t>int</a:t>
+            </a:r>
+            <a:r>
+              <a:rPr lang="en-US" altLang="ru-RU" sz="2000" b="1" dirty="0">
+                <a:solidFill>
+                  <a:schemeClr val="tx2"/>
+                </a:solidFill>
+                <a:latin typeface="Courier New" pitchFamily="49" charset="0"/>
+              </a:rPr>
+              <a:t> x = 2; } </a:t>
+            </a:r>
+            <a:endParaRPr lang="ru-RU" altLang="ru-RU" sz="2000" b="1" dirty="0">
               <a:solidFill>
                 <a:schemeClr val="tx2"/>
               </a:solidFill>
@@ -16393,7 +16479,7 @@
               <a:buNone/>
             </a:pPr>
             <a:r>
-              <a:rPr lang="en-US" altLang="ru-RU" sz="2000" b="1">
+              <a:rPr lang="en-US" altLang="ru-RU" sz="2000" b="1" dirty="0">
                 <a:solidFill>
                   <a:schemeClr val="tx2"/>
                 </a:solidFill>
@@ -16401,7 +16487,7 @@
               </a:rPr>
               <a:t>class Test extends Point { </a:t>
             </a:r>
-            <a:endParaRPr lang="ru-RU" altLang="ru-RU" sz="2000" b="1">
+            <a:endParaRPr lang="ru-RU" altLang="ru-RU" sz="2000" b="1" dirty="0">
               <a:solidFill>
                 <a:schemeClr val="tx2"/>
               </a:solidFill>
@@ -16417,7 +16503,7 @@
               <a:buNone/>
             </a:pPr>
             <a:r>
-              <a:rPr lang="ru-RU" altLang="ru-RU" sz="2000" b="1">
+              <a:rPr lang="ru-RU" altLang="ru-RU" sz="2000" b="1" dirty="0">
                 <a:solidFill>
                   <a:schemeClr val="tx2"/>
                 </a:solidFill>
@@ -16426,7 +16512,7 @@
               <a:t>	</a:t>
             </a:r>
             <a:r>
-              <a:rPr lang="en-US" altLang="ru-RU" sz="2000" b="1">
+              <a:rPr lang="en-US" altLang="ru-RU" sz="2000" b="1" dirty="0">
                 <a:solidFill>
                   <a:schemeClr val="tx2"/>
                 </a:solidFill>
@@ -16434,7 +16520,7 @@
               </a:rPr>
               <a:t>static double x = 4.7; </a:t>
             </a:r>
-            <a:endParaRPr lang="ru-RU" altLang="ru-RU" sz="2000" b="1">
+            <a:endParaRPr lang="ru-RU" altLang="ru-RU" sz="2000" b="1" dirty="0">
               <a:solidFill>
                 <a:schemeClr val="tx2"/>
               </a:solidFill>
@@ -16450,7 +16536,7 @@
               <a:buNone/>
             </a:pPr>
             <a:r>
-              <a:rPr lang="ru-RU" altLang="ru-RU" sz="2000" b="1">
+              <a:rPr lang="ru-RU" altLang="ru-RU" sz="2000" b="1" dirty="0">
                 <a:solidFill>
                   <a:schemeClr val="tx2"/>
                 </a:solidFill>
@@ -16459,15 +16545,33 @@
               <a:t>	</a:t>
             </a:r>
             <a:r>
-              <a:rPr lang="en-US" altLang="ru-RU" sz="2000" b="1">
-                <a:solidFill>
-                  <a:schemeClr val="tx2"/>
-                </a:solidFill>
-                <a:latin typeface="Courier New" pitchFamily="49" charset="0"/>
-              </a:rPr>
-              <a:t>public static void main(String[] args) { </a:t>
-            </a:r>
-            <a:endParaRPr lang="ru-RU" altLang="ru-RU" sz="2000" b="1">
+              <a:rPr lang="en-US" altLang="ru-RU" sz="2000" b="1" dirty="0">
+                <a:solidFill>
+                  <a:schemeClr val="tx2"/>
+                </a:solidFill>
+                <a:latin typeface="Courier New" pitchFamily="49" charset="0"/>
+              </a:rPr>
+              <a:t>public static void main(String[] </a:t>
+            </a:r>
+            <a:r>
+              <a:rPr lang="en-US" altLang="ru-RU" sz="2000" b="1" dirty="0" err="1">
+                <a:solidFill>
+                  <a:schemeClr val="tx2"/>
+                </a:solidFill>
+                <a:latin typeface="Courier New" pitchFamily="49" charset="0"/>
+              </a:rPr>
+              <a:t>args</a:t>
+            </a:r>
+            <a:r>
+              <a:rPr lang="en-US" altLang="ru-RU" sz="2000" b="1" dirty="0">
+                <a:solidFill>
+                  <a:schemeClr val="tx2"/>
+                </a:solidFill>
+                <a:latin typeface="Courier New" pitchFamily="49" charset="0"/>
+              </a:rPr>
+              <a:t>) { </a:t>
+            </a:r>
+            <a:endParaRPr lang="ru-RU" altLang="ru-RU" sz="2000" b="1" dirty="0">
               <a:solidFill>
                 <a:schemeClr val="tx2"/>
               </a:solidFill>
@@ -16483,7 +16587,7 @@
               <a:buNone/>
             </a:pPr>
             <a:r>
-              <a:rPr lang="ru-RU" altLang="ru-RU" sz="2000" b="1">
+              <a:rPr lang="ru-RU" altLang="ru-RU" sz="2000" b="1" dirty="0">
                 <a:solidFill>
                   <a:schemeClr val="tx2"/>
                 </a:solidFill>
@@ -16492,15 +16596,33 @@
               <a:t>		</a:t>
             </a:r>
             <a:r>
-              <a:rPr lang="en-US" altLang="ru-RU" sz="2000" b="1">
-                <a:solidFill>
-                  <a:schemeClr val="tx2"/>
-                </a:solidFill>
-                <a:latin typeface="Courier New" pitchFamily="49" charset="0"/>
-              </a:rPr>
-              <a:t>new Test().printX(); </a:t>
-            </a:r>
-            <a:endParaRPr lang="ru-RU" altLang="ru-RU" sz="2000" b="1">
+              <a:rPr lang="en-US" altLang="ru-RU" sz="2000" b="1" dirty="0">
+                <a:solidFill>
+                  <a:schemeClr val="tx2"/>
+                </a:solidFill>
+                <a:latin typeface="Courier New" pitchFamily="49" charset="0"/>
+              </a:rPr>
+              <a:t>new Test().</a:t>
+            </a:r>
+            <a:r>
+              <a:rPr lang="en-US" altLang="ru-RU" sz="2000" b="1" dirty="0" err="1">
+                <a:solidFill>
+                  <a:schemeClr val="tx2"/>
+                </a:solidFill>
+                <a:latin typeface="Courier New" pitchFamily="49" charset="0"/>
+              </a:rPr>
+              <a:t>printX</a:t>
+            </a:r>
+            <a:r>
+              <a:rPr lang="en-US" altLang="ru-RU" sz="2000" b="1" dirty="0">
+                <a:solidFill>
+                  <a:schemeClr val="tx2"/>
+                </a:solidFill>
+                <a:latin typeface="Courier New" pitchFamily="49" charset="0"/>
+              </a:rPr>
+              <a:t>(); </a:t>
+            </a:r>
+            <a:endParaRPr lang="ru-RU" altLang="ru-RU" sz="2000" b="1" dirty="0">
               <a:solidFill>
                 <a:schemeClr val="tx2"/>
               </a:solidFill>
@@ -16516,7 +16638,7 @@
               <a:buNone/>
             </a:pPr>
             <a:r>
-              <a:rPr lang="ru-RU" altLang="ru-RU" sz="2000" b="1">
+              <a:rPr lang="ru-RU" altLang="ru-RU" sz="2000" b="1" dirty="0">
                 <a:solidFill>
                   <a:schemeClr val="tx2"/>
                 </a:solidFill>
@@ -16525,7 +16647,7 @@
               <a:t>	</a:t>
             </a:r>
             <a:r>
-              <a:rPr lang="en-US" altLang="ru-RU" sz="2000" b="1">
+              <a:rPr lang="en-US" altLang="ru-RU" sz="2000" b="1" dirty="0">
                 <a:solidFill>
                   <a:schemeClr val="tx2"/>
                 </a:solidFill>
@@ -16533,7 +16655,7 @@
               </a:rPr>
               <a:t>} </a:t>
             </a:r>
-            <a:endParaRPr lang="ru-RU" altLang="ru-RU" sz="2000" b="1">
+            <a:endParaRPr lang="ru-RU" altLang="ru-RU" sz="2000" b="1" dirty="0">
               <a:solidFill>
                 <a:schemeClr val="tx2"/>
               </a:solidFill>
@@ -16549,7 +16671,7 @@
               <a:buNone/>
             </a:pPr>
             <a:r>
-              <a:rPr lang="ru-RU" altLang="ru-RU" sz="2000" b="1">
+              <a:rPr lang="ru-RU" altLang="ru-RU" sz="2000" b="1" dirty="0">
                 <a:solidFill>
                   <a:schemeClr val="tx2"/>
                 </a:solidFill>
@@ -16558,15 +16680,33 @@
               <a:t>	</a:t>
             </a:r>
             <a:r>
-              <a:rPr lang="en-US" altLang="ru-RU" sz="2000" b="1">
-                <a:solidFill>
-                  <a:schemeClr val="tx2"/>
-                </a:solidFill>
-                <a:latin typeface="Courier New" pitchFamily="49" charset="0"/>
-              </a:rPr>
-              <a:t>void printX() { </a:t>
-            </a:r>
-            <a:endParaRPr lang="ru-RU" altLang="ru-RU" sz="2000" b="1">
+              <a:rPr lang="en-US" altLang="ru-RU" sz="2000" b="1" dirty="0">
+                <a:solidFill>
+                  <a:schemeClr val="tx2"/>
+                </a:solidFill>
+                <a:latin typeface="Courier New" pitchFamily="49" charset="0"/>
+              </a:rPr>
+              <a:t>void </a:t>
+            </a:r>
+            <a:r>
+              <a:rPr lang="en-US" altLang="ru-RU" sz="2000" b="1" dirty="0" err="1">
+                <a:solidFill>
+                  <a:schemeClr val="tx2"/>
+                </a:solidFill>
+                <a:latin typeface="Courier New" pitchFamily="49" charset="0"/>
+              </a:rPr>
+              <a:t>printX</a:t>
+            </a:r>
+            <a:r>
+              <a:rPr lang="en-US" altLang="ru-RU" sz="2000" b="1" dirty="0">
+                <a:solidFill>
+                  <a:schemeClr val="tx2"/>
+                </a:solidFill>
+                <a:latin typeface="Courier New" pitchFamily="49" charset="0"/>
+              </a:rPr>
+              <a:t>() { </a:t>
+            </a:r>
+            <a:endParaRPr lang="ru-RU" altLang="ru-RU" sz="2000" b="1" dirty="0">
               <a:solidFill>
                 <a:schemeClr val="tx2"/>
               </a:solidFill>
@@ -16582,7 +16722,7 @@
               <a:buNone/>
             </a:pPr>
             <a:r>
-              <a:rPr lang="ru-RU" altLang="ru-RU" sz="2000" b="1">
+              <a:rPr lang="ru-RU" altLang="ru-RU" sz="2000" b="1" dirty="0">
                 <a:solidFill>
                   <a:schemeClr val="tx2"/>
                 </a:solidFill>
@@ -16591,15 +16731,42 @@
               <a:t>		</a:t>
             </a:r>
             <a:r>
-              <a:rPr lang="en-US" altLang="ru-RU" sz="2000" b="1">
-                <a:solidFill>
-                  <a:schemeClr val="tx2"/>
-                </a:solidFill>
-                <a:latin typeface="Courier New" pitchFamily="49" charset="0"/>
-              </a:rPr>
-              <a:t>System.out.println(x + " " + super.x); </a:t>
-            </a:r>
-            <a:endParaRPr lang="ru-RU" altLang="ru-RU" sz="2000" b="1">
+              <a:rPr lang="en-US" altLang="ru-RU" sz="2000" b="1" dirty="0" err="1">
+                <a:solidFill>
+                  <a:schemeClr val="tx2"/>
+                </a:solidFill>
+                <a:latin typeface="Courier New" pitchFamily="49" charset="0"/>
+              </a:rPr>
+              <a:t>System.out.println</a:t>
+            </a:r>
+            <a:r>
+              <a:rPr lang="en-US" altLang="ru-RU" sz="2000" b="1" dirty="0">
+                <a:solidFill>
+                  <a:schemeClr val="tx2"/>
+                </a:solidFill>
+                <a:latin typeface="Courier New" pitchFamily="49" charset="0"/>
+              </a:rPr>
+              <a:t>(x + " " + </a:t>
+            </a:r>
+            <a:r>
+              <a:rPr lang="en-US" altLang="ru-RU" sz="2000" b="1" dirty="0" err="1">
+                <a:solidFill>
+                  <a:schemeClr val="tx2"/>
+                </a:solidFill>
+                <a:latin typeface="Courier New" pitchFamily="49" charset="0"/>
+              </a:rPr>
+              <a:t>super.x</a:t>
+            </a:r>
+            <a:r>
+              <a:rPr lang="en-US" altLang="ru-RU" sz="2000" b="1" dirty="0">
+                <a:solidFill>
+                  <a:schemeClr val="tx2"/>
+                </a:solidFill>
+                <a:latin typeface="Courier New" pitchFamily="49" charset="0"/>
+              </a:rPr>
+              <a:t>); </a:t>
+            </a:r>
+            <a:endParaRPr lang="ru-RU" altLang="ru-RU" sz="2000" b="1" dirty="0">
               <a:solidFill>
                 <a:schemeClr val="tx2"/>
               </a:solidFill>
@@ -16615,7 +16782,7 @@
               <a:buNone/>
             </a:pPr>
             <a:r>
-              <a:rPr lang="ru-RU" altLang="ru-RU" sz="2000" b="1">
+              <a:rPr lang="ru-RU" altLang="ru-RU" sz="2000" b="1" dirty="0">
                 <a:solidFill>
                   <a:schemeClr val="tx2"/>
                 </a:solidFill>
@@ -16624,7 +16791,7 @@
               <a:t>	</a:t>
             </a:r>
             <a:r>
-              <a:rPr lang="en-US" altLang="ru-RU" sz="2000" b="1">
+              <a:rPr lang="en-US" altLang="ru-RU" sz="2000" b="1" dirty="0">
                 <a:solidFill>
                   <a:schemeClr val="tx2"/>
                 </a:solidFill>
@@ -16632,7 +16799,7 @@
               </a:rPr>
               <a:t>} </a:t>
             </a:r>
-            <a:endParaRPr lang="ru-RU" altLang="ru-RU" sz="2000" b="1">
+            <a:endParaRPr lang="ru-RU" altLang="ru-RU" sz="2000" b="1" dirty="0">
               <a:solidFill>
                 <a:schemeClr val="tx2"/>
               </a:solidFill>
@@ -16648,7 +16815,7 @@
               <a:buNone/>
             </a:pPr>
             <a:r>
-              <a:rPr lang="en-US" altLang="ru-RU" sz="2000" b="1">
+              <a:rPr lang="en-US" altLang="ru-RU" sz="2000" b="1" dirty="0">
                 <a:solidFill>
                   <a:schemeClr val="tx2"/>
                 </a:solidFill>
@@ -16657,7 +16824,7 @@
               <a:t>}</a:t>
             </a:r>
             <a:r>
-              <a:rPr lang="en-US" altLang="ru-RU" sz="2000">
+              <a:rPr lang="en-US" altLang="ru-RU" sz="2000" dirty="0">
                 <a:solidFill>
                   <a:schemeClr val="tx2"/>
                 </a:solidFill>
@@ -30201,7 +30368,12 @@
             <p:ph type="title"/>
           </p:nvPr>
         </p:nvSpPr>
-        <p:spPr/>
+        <p:spPr>
+          <a:xfrm>
+            <a:off x="107504" y="44624"/>
+            <a:ext cx="8579296" cy="490066"/>
+          </a:xfrm>
+        </p:spPr>
         <p:txBody>
           <a:bodyPr>
             <a:normAutofit fontScale="90000"/>
@@ -30209,22 +30381,26 @@
           <a:lstStyle/>
           <a:p>
             <a:r>
-              <a:rPr lang="ru-RU" altLang="ru-RU"/>
+              <a:rPr lang="ru-RU" altLang="ru-RU" dirty="0"/>
               <a:t>Перечисления (</a:t>
             </a:r>
             <a:r>
-              <a:rPr lang="en-US" altLang="ru-RU"/>
-              <a:t>enum), </a:t>
-            </a:r>
-            <a:r>
-              <a:rPr lang="ru-RU" altLang="ru-RU"/>
-              <a:t>начиная с </a:t>
-            </a:r>
-            <a:r>
-              <a:rPr lang="en-US" altLang="ru-RU"/>
+              <a:rPr lang="en-US" altLang="ru-RU" dirty="0" err="1"/>
+              <a:t>enum</a:t>
+            </a:r>
+            <a:r>
+              <a:rPr lang="en-US" altLang="ru-RU" dirty="0"/>
+              <a:t>), </a:t>
+            </a:r>
+            <a:r>
+              <a:rPr lang="ru-RU" altLang="ru-RU" dirty="0" smtClean="0"/>
+              <a:t>с </a:t>
+            </a:r>
+            <a:r>
+              <a:rPr lang="en-US" altLang="ru-RU" dirty="0"/>
               <a:t>java 1.5</a:t>
             </a:r>
-            <a:endParaRPr lang="ru-RU" altLang="ru-RU"/>
+            <a:endParaRPr lang="ru-RU" altLang="ru-RU" dirty="0"/>
           </a:p>
         </p:txBody>
       </p:sp>
@@ -32364,7 +32540,7 @@
         <p:nvGraphicFramePr>
           <p:cNvPr id="593924" name="Object 4"/>
           <p:cNvGraphicFramePr>
-            <a:graphicFrameLocks noChangeAspect="1"/>
+            <a:graphicFrameLocks noGrp="1" noChangeAspect="1"/>
           </p:cNvGraphicFramePr>
           <p:nvPr>
             <p:ph sz="half" idx="2"/>
@@ -32378,7 +32554,7 @@
           <a:graphicData uri="http://schemas.openxmlformats.org/presentationml/2006/ole">
             <mc:AlternateContent xmlns:mc="http://schemas.openxmlformats.org/markup-compatibility/2006">
               <mc:Choice xmlns:v="urn:schemas-microsoft-com:vml" Requires="v">
-                <p:oleObj spid="_x0000_s2051" name="Visio" r:id="rId3" imgW="7017535" imgH="3979757" progId="Visio.Drawing.6">
+                <p:oleObj spid="_x0000_s2054" name="Visio" r:id="rId3" imgW="7017535" imgH="3979757" progId="Visio.Drawing.6">
                   <p:embed/>
                 </p:oleObj>
               </mc:Choice>
@@ -34964,7 +35140,9 @@
         </p:nvSpPr>
         <p:spPr/>
         <p:txBody>
-          <a:bodyPr/>
+          <a:bodyPr>
+            <a:normAutofit lnSpcReduction="10000"/>
+          </a:bodyPr>
           <a:lstStyle/>
           <a:p>
             <a:pPr>
@@ -35453,7 +35631,9 @@
         </p:nvSpPr>
         <p:spPr/>
         <p:txBody>
-          <a:bodyPr/>
+          <a:bodyPr>
+            <a:normAutofit lnSpcReduction="10000"/>
+          </a:bodyPr>
           <a:lstStyle/>
           <a:p>
             <a:pPr>
@@ -35893,16 +36073,23 @@
             <p:ph type="title"/>
           </p:nvPr>
         </p:nvSpPr>
-        <p:spPr/>
+        <p:spPr>
+          <a:xfrm>
+            <a:off x="467544" y="21372"/>
+            <a:ext cx="8229600" cy="562074"/>
+          </a:xfrm>
+        </p:spPr>
         <p:txBody>
-          <a:bodyPr/>
+          <a:bodyPr>
+            <a:normAutofit fontScale="90000"/>
+          </a:bodyPr>
           <a:lstStyle/>
           <a:p>
             <a:r>
-              <a:rPr lang="ru-RU" altLang="ru-RU"/>
+              <a:rPr lang="ru-RU" altLang="ru-RU" dirty="0"/>
               <a:t>Правила именования пакетов</a:t>
             </a:r>
-            <a:endParaRPr lang="en-US" altLang="ru-RU"/>
+            <a:endParaRPr lang="en-US" altLang="ru-RU" dirty="0"/>
           </a:p>
         </p:txBody>
       </p:sp>
@@ -35918,8 +36105,8 @@
         </p:nvSpPr>
         <p:spPr>
           <a:xfrm>
-            <a:off x="323850" y="765175"/>
-            <a:ext cx="8077200" cy="5334000"/>
+            <a:off x="323528" y="908720"/>
+            <a:ext cx="8077200" cy="5622032"/>
           </a:xfrm>
         </p:spPr>
         <p:txBody>
@@ -35932,31 +36119,31 @@
               </a:lnSpc>
             </a:pPr>
             <a:r>
-              <a:rPr lang="ru-RU" altLang="ru-RU" sz="2000"/>
+              <a:rPr lang="ru-RU" altLang="ru-RU" sz="2000" dirty="0"/>
               <a:t>Для обеспечения уникальности имени пакета</a:t>
             </a:r>
             <a:r>
-              <a:rPr lang="en-US" altLang="ru-RU" sz="2000"/>
+              <a:rPr lang="en-US" altLang="ru-RU" sz="2000" dirty="0"/>
               <a:t> </a:t>
             </a:r>
             <a:r>
-              <a:rPr lang="ru-RU" altLang="ru-RU" sz="2000"/>
+              <a:rPr lang="ru-RU" altLang="ru-RU" sz="2000" dirty="0"/>
               <a:t>в качестве основы следует использовать доменное имя организации, например: </a:t>
             </a:r>
             <a:r>
-              <a:rPr lang="en-US" altLang="ru-RU" sz="2000"/>
+              <a:rPr lang="en-US" altLang="ru-RU" sz="2000" dirty="0"/>
               <a:t>ru.nsu.fit.mylastname.task1</a:t>
             </a:r>
-            <a:endParaRPr lang="ru-RU" altLang="ru-RU" sz="2000"/>
-          </a:p>
-          <a:p>
-            <a:pPr>
-              <a:lnSpc>
-                <a:spcPct val="90000"/>
-              </a:lnSpc>
-            </a:pPr>
-            <a:r>
-              <a:rPr lang="ru-RU" altLang="ru-RU" sz="2000"/>
+            <a:endParaRPr lang="ru-RU" altLang="ru-RU" sz="2000" dirty="0"/>
+          </a:p>
+          <a:p>
+            <a:pPr>
+              <a:lnSpc>
+                <a:spcPct val="90000"/>
+              </a:lnSpc>
+            </a:pPr>
+            <a:r>
+              <a:rPr lang="ru-RU" altLang="ru-RU" sz="2000" dirty="0"/>
               <a:t>В случае если доменное имя не может быть использовано в силу наличия специальных символов, запрещенных к использованию в идентификаторах, нужно произвести следующую трансформацию:</a:t>
             </a:r>
           </a:p>
@@ -35967,21 +36154,26 @@
               </a:lnSpc>
             </a:pPr>
             <a:r>
-              <a:rPr lang="ru-RU" altLang="ru-RU" sz="1800"/>
+              <a:rPr lang="ru-RU" altLang="ru-RU" sz="1800" dirty="0"/>
               <a:t>если имя содержит знак </a:t>
             </a:r>
             <a:r>
-              <a:rPr lang="en-US" altLang="ru-RU" sz="1800"/>
+              <a:rPr lang="en-US" altLang="ru-RU" sz="1800" dirty="0"/>
               <a:t>‘-’, </a:t>
             </a:r>
             <a:r>
-              <a:rPr lang="ru-RU" altLang="ru-RU" sz="1800"/>
+              <a:rPr lang="ru-RU" altLang="ru-RU" sz="1800" dirty="0"/>
               <a:t>его заменяют на </a:t>
             </a:r>
             <a:r>
-              <a:rPr lang="en-US" altLang="ru-RU" sz="1800"/>
-              <a:t>‘_’: some-ware.com -&gt; com.some_ware</a:t>
-            </a:r>
+              <a:rPr lang="en-US" altLang="ru-RU" sz="1800" dirty="0"/>
+              <a:t>‘_’: some-ware.com -&gt; </a:t>
+            </a:r>
+            <a:r>
+              <a:rPr lang="en-US" altLang="ru-RU" sz="1800" dirty="0" err="1"/>
+              <a:t>com.some_ware</a:t>
+            </a:r>
+            <a:endParaRPr lang="en-US" altLang="ru-RU" sz="1800" dirty="0"/>
           </a:p>
           <a:p>
             <a:pPr marL="742950" lvl="1" indent="-285750">
@@ -35990,11 +36182,11 @@
               </a:lnSpc>
             </a:pPr>
             <a:r>
-              <a:rPr lang="ru-RU" altLang="ru-RU" sz="1800"/>
+              <a:rPr lang="ru-RU" altLang="ru-RU" sz="1800" dirty="0"/>
               <a:t>если имя является ключевым словом, то к нему добавляют </a:t>
             </a:r>
             <a:r>
-              <a:rPr lang="en-US" altLang="ru-RU" sz="1800"/>
+              <a:rPr lang="en-US" altLang="ru-RU" sz="1800" dirty="0"/>
               <a:t>‘_’: do.something.com -&gt; com.something.do_;</a:t>
             </a:r>
           </a:p>
@@ -36005,11 +36197,11 @@
               </a:lnSpc>
             </a:pPr>
             <a:r>
-              <a:rPr lang="ru-RU" altLang="ru-RU" sz="1800"/>
+              <a:rPr lang="ru-RU" altLang="ru-RU" sz="1800" dirty="0"/>
               <a:t>если имя начинается с цифры, то спереди добавляется </a:t>
             </a:r>
             <a:r>
-              <a:rPr lang="en-US" altLang="ru-RU" sz="1800"/>
+              <a:rPr lang="en-US" altLang="ru-RU" sz="1800" dirty="0"/>
               <a:t>‘_’: just.4you.com -&gt; com._4you.just</a:t>
             </a:r>
           </a:p>
@@ -36020,7 +36212,7 @@
               </a:lnSpc>
             </a:pPr>
             <a:r>
-              <a:rPr lang="ru-RU" altLang="ru-RU" sz="2000"/>
+              <a:rPr lang="ru-RU" altLang="ru-RU" sz="2000" dirty="0"/>
               <a:t>Примеры имен:</a:t>
             </a:r>
           </a:p>
@@ -36033,15 +36225,24 @@
               <a:buNone/>
             </a:pPr>
             <a:r>
-              <a:rPr lang="en-US" altLang="ru-RU" sz="2000" b="1">
-                <a:solidFill>
-                  <a:schemeClr val="tx2"/>
-                </a:solidFill>
-                <a:latin typeface="Courier New" pitchFamily="49" charset="0"/>
-              </a:rPr>
-              <a:t>com.sun.java.jag.scrabble </a:t>
-            </a:r>
-            <a:endParaRPr lang="ru-RU" altLang="ru-RU" sz="2000" b="1">
+              <a:rPr lang="en-US" altLang="ru-RU" sz="2000" b="1" dirty="0" err="1">
+                <a:solidFill>
+                  <a:schemeClr val="tx2"/>
+                </a:solidFill>
+                <a:latin typeface="Courier New" pitchFamily="49" charset="0"/>
+              </a:rPr>
+              <a:t>com.sun.java.jag.scrabble</a:t>
+            </a:r>
+            <a:r>
+              <a:rPr lang="en-US" altLang="ru-RU" sz="2000" b="1" dirty="0">
+                <a:solidFill>
+                  <a:schemeClr val="tx2"/>
+                </a:solidFill>
+                <a:latin typeface="Courier New" pitchFamily="49" charset="0"/>
+              </a:rPr>
+              <a:t> </a:t>
+            </a:r>
+            <a:endParaRPr lang="ru-RU" altLang="ru-RU" sz="2000" b="1" dirty="0">
               <a:solidFill>
                 <a:schemeClr val="tx2"/>
               </a:solidFill>
@@ -36057,7 +36258,7 @@
               <a:buNone/>
             </a:pPr>
             <a:r>
-              <a:rPr lang="en-US" altLang="ru-RU" sz="2000" b="1">
+              <a:rPr lang="en-US" altLang="ru-RU" sz="2000" b="1" dirty="0">
                 <a:solidFill>
                   <a:schemeClr val="tx2"/>
                 </a:solidFill>
@@ -36065,7 +36266,7 @@
               </a:rPr>
               <a:t>com.apple.quicktime.v2 </a:t>
             </a:r>
-            <a:endParaRPr lang="ru-RU" altLang="ru-RU" sz="2000" b="1">
+            <a:endParaRPr lang="ru-RU" altLang="ru-RU" sz="2000" b="1" dirty="0">
               <a:solidFill>
                 <a:schemeClr val="tx2"/>
               </a:solidFill>
@@ -36081,7 +36282,7 @@
               <a:buNone/>
             </a:pPr>
             <a:r>
-              <a:rPr lang="en-US" altLang="ru-RU" sz="2000" b="1">
+              <a:rPr lang="en-US" altLang="ru-RU" sz="2000" b="1" dirty="0" err="1">
                 <a:solidFill>
                   <a:schemeClr val="tx2"/>
                 </a:solidFill>
@@ -36089,6 +36290,12 @@
               </a:rPr>
               <a:t>com.novosoft.siberon.someproject</a:t>
             </a:r>
+            <a:endParaRPr lang="en-US" altLang="ru-RU" sz="2000" b="1" dirty="0">
+              <a:solidFill>
+                <a:schemeClr val="tx2"/>
+              </a:solidFill>
+              <a:latin typeface="Courier New" pitchFamily="49" charset="0"/>
+            </a:endParaRPr>
           </a:p>
         </p:txBody>
       </p:sp>
